--- a/Laporan PKL/Presentasi/Presentasi 01.pptx
+++ b/Laporan PKL/Presentasi/Presentasi 01.pptx
@@ -4225,7 +4225,7 @@
         <p:spPr>
           <a:xfrm>
             <a:off x="640250" y="2590800"/>
-            <a:ext cx="8275150" cy="2554545"/>
+            <a:ext cx="8275150" cy="2862322"/>
           </a:xfrm>
           <a:prstGeom prst="rect">
             <a:avLst/>
@@ -4619,6 +4619,53 @@
               </a:rPr>
               <a:t> ? </a:t>
             </a:r>
+            <a:endParaRPr lang="en-US" sz="2000" dirty="0" smtClean="0">
+              <a:latin typeface="Sertig" pitchFamily="34" charset="0"/>
+            </a:endParaRPr>
+          </a:p>
+          <a:p>
+            <a:pPr marL="342900" indent="-342900">
+              <a:buAutoNum type="arabicPeriod"/>
+            </a:pPr>
+            <a:r>
+              <a:rPr lang="en-US" sz="2000" dirty="0" err="1" smtClean="0">
+                <a:latin typeface="Sertig" pitchFamily="34" charset="0"/>
+              </a:rPr>
+              <a:t>Pengajuan</a:t>
+            </a:r>
+            <a:r>
+              <a:rPr lang="en-US" sz="2000" dirty="0" smtClean="0">
+                <a:latin typeface="Sertig" pitchFamily="34" charset="0"/>
+              </a:rPr>
+              <a:t> </a:t>
+            </a:r>
+            <a:r>
+              <a:rPr lang="en-US" sz="2000" dirty="0" err="1" smtClean="0">
+                <a:latin typeface="Sertig" pitchFamily="34" charset="0"/>
+              </a:rPr>
+              <a:t>Surat</a:t>
+            </a:r>
+            <a:r>
+              <a:rPr lang="en-US" sz="2000" dirty="0" smtClean="0">
+                <a:latin typeface="Sertig" pitchFamily="34" charset="0"/>
+              </a:rPr>
+              <a:t> </a:t>
+            </a:r>
+            <a:r>
+              <a:rPr lang="en-US" sz="2000" dirty="0" err="1" smtClean="0">
+                <a:latin typeface="Sertig" pitchFamily="34" charset="0"/>
+              </a:rPr>
+              <a:t>Tugas</a:t>
+            </a:r>
+            <a:r>
+              <a:rPr lang="en-US" sz="2000" dirty="0" smtClean="0">
+                <a:latin typeface="Sertig" pitchFamily="34" charset="0"/>
+              </a:rPr>
+              <a:t> SPPD ?</a:t>
+            </a:r>
+            <a:endParaRPr lang="en-US" sz="2000" dirty="0" smtClean="0">
+              <a:latin typeface="Sertig" pitchFamily="34" charset="0"/>
+            </a:endParaRPr>
           </a:p>
           <a:p>
             <a:endParaRPr lang="en-US" sz="2000" dirty="0">
@@ -4754,7 +4801,7 @@
         </p:nvSpPr>
         <p:spPr>
           <a:xfrm>
-            <a:off x="1143000" y="1982212"/>
+            <a:off x="914400" y="1982212"/>
             <a:ext cx="6477000" cy="3046988"/>
           </a:xfrm>
           <a:prstGeom prst="rect">
@@ -4973,7 +5020,7 @@
         </p:nvSpPr>
         <p:spPr>
           <a:xfrm>
-            <a:off x="1194895" y="1244025"/>
+            <a:off x="966295" y="1244025"/>
             <a:ext cx="4977305" cy="584775"/>
           </a:xfrm>
           <a:prstGeom prst="rect">
@@ -5027,6 +5074,47 @@
           </a:p>
         </p:txBody>
       </p:sp>
+      <p:pic>
+        <p:nvPicPr>
+          <p:cNvPr id="2050" name="Picture 2" descr="http://3.bp.blogspot.com/-EyTXtAFmHxk/UZqX0T0fqqI/AAAAAAAAFX0/AbAtb6Pjymo/s1600/free-psd-apple-screen-monitor-ios-flat.png"/>
+          <p:cNvPicPr>
+            <a:picLocks noChangeAspect="1" noChangeArrowheads="1"/>
+          </p:cNvPicPr>
+          <p:nvPr/>
+        </p:nvPicPr>
+        <p:blipFill>
+          <a:blip r:embed="rId4">
+            <a:extLst>
+              <a:ext uri="{28A0092B-C50C-407E-A947-70E740481C1C}">
+                <a14:useLocalDpi xmlns:a14="http://schemas.microsoft.com/office/drawing/2010/main" val="0"/>
+              </a:ext>
+            </a:extLst>
+          </a:blip>
+          <a:srcRect/>
+          <a:stretch>
+            <a:fillRect/>
+          </a:stretch>
+        </p:blipFill>
+        <p:spPr bwMode="auto">
+          <a:xfrm>
+            <a:off x="6248400" y="40881"/>
+            <a:ext cx="2895600" cy="2171700"/>
+          </a:xfrm>
+          <a:prstGeom prst="rect">
+            <a:avLst/>
+          </a:prstGeom>
+          <a:noFill/>
+          <a:extLst>
+            <a:ext uri="{909E8E84-426E-40DD-AFC4-6F175D3DCCD1}">
+              <a14:hiddenFill xmlns:a14="http://schemas.microsoft.com/office/drawing/2010/main">
+                <a:solidFill>
+                  <a:srgbClr val="FFFFFF"/>
+                </a:solidFill>
+              </a14:hiddenFill>
+            </a:ext>
+          </a:extLst>
+        </p:spPr>
+      </p:pic>
     </p:spTree>
     <p:extLst>
       <p:ext uri="{BB962C8B-B14F-4D97-AF65-F5344CB8AC3E}">
@@ -5037,13 +5125,13 @@
   <p:clrMapOvr>
     <a:masterClrMapping/>
   </p:clrMapOvr>
-  <mc:AlternateContent xmlns:mc="http://schemas.openxmlformats.org/markup-compatibility/2006">
-    <mc:Choice xmlns:p14="http://schemas.microsoft.com/office/powerpoint/2010/main" Requires="p14">
+  <mc:AlternateContent xmlns:mc="http://schemas.openxmlformats.org/markup-compatibility/2006" xmlns:p14="http://schemas.microsoft.com/office/powerpoint/2010/main">
+    <mc:Choice Requires="p14">
       <p:transition spd="slow" p14:dur="1600">
         <p14:prism isInverted="1"/>
       </p:transition>
     </mc:Choice>
-    <mc:Fallback>
+    <mc:Fallback xmlns="">
       <p:transition spd="slow">
         <p:fade/>
       </p:transition>
@@ -7098,7 +7186,7 @@
         <p:spPr>
           <a:xfrm>
             <a:off x="838200" y="1663005"/>
-            <a:ext cx="6610399" cy="1384995"/>
+            <a:ext cx="6446893" cy="2031325"/>
           </a:xfrm>
           <a:prstGeom prst="rect">
             <a:avLst/>
@@ -7146,7 +7234,74 @@
                 </a:solidFill>
                 <a:hlinkClick r:id="rId5" action="ppaction://hlinkfile"/>
               </a:rPr>
-              <a:t>Model Proses (Unified Model Language) </a:t>
+              <a:t>Model Proses (Unified Model Language</a:t>
+            </a:r>
+            <a:r>
+              <a:rPr lang="en-US" sz="2800" dirty="0" smtClean="0">
+                <a:solidFill>
+                  <a:srgbClr val="0070C0"/>
+                </a:solidFill>
+                <a:hlinkClick r:id="rId5" action="ppaction://hlinkfile"/>
+              </a:rPr>
+              <a:t>) </a:t>
+            </a:r>
+            <a:endParaRPr lang="en-US" sz="2800" dirty="0" smtClean="0">
+              <a:solidFill>
+                <a:srgbClr val="0070C0"/>
+              </a:solidFill>
+            </a:endParaRPr>
+          </a:p>
+          <a:p>
+            <a:pPr marL="342900" indent="-342900">
+              <a:lnSpc>
+                <a:spcPct val="150000"/>
+              </a:lnSpc>
+              <a:buAutoNum type="arabicPeriod"/>
+            </a:pPr>
+            <a:r>
+              <a:rPr lang="en-US" sz="2800" dirty="0" smtClean="0">
+                <a:solidFill>
+                  <a:srgbClr val="0070C0"/>
+                </a:solidFill>
+                <a:hlinkClick r:id="rId6" action="ppaction://hlinkfile"/>
+              </a:rPr>
+              <a:t>Model </a:t>
+            </a:r>
+            <a:r>
+              <a:rPr lang="en-US" sz="2800" dirty="0" err="1" smtClean="0">
+                <a:solidFill>
+                  <a:srgbClr val="0070C0"/>
+                </a:solidFill>
+                <a:hlinkClick r:id="rId6" action="ppaction://hlinkfile"/>
+              </a:rPr>
+              <a:t>Alur</a:t>
+            </a:r>
+            <a:r>
+              <a:rPr lang="en-US" sz="2800" dirty="0" smtClean="0">
+                <a:solidFill>
+                  <a:srgbClr val="0070C0"/>
+                </a:solidFill>
+                <a:hlinkClick r:id="rId6" action="ppaction://hlinkfile"/>
+              </a:rPr>
+              <a:t> Data ( </a:t>
+            </a:r>
+            <a:r>
+              <a:rPr lang="en-US" sz="2800" dirty="0" err="1" smtClean="0">
+                <a:solidFill>
+                  <a:srgbClr val="0070C0"/>
+                </a:solidFill>
+                <a:hlinkClick r:id="rId6" action="ppaction://hlinkfile"/>
+              </a:rPr>
+              <a:t>Flowmap</a:t>
+            </a:r>
+            <a:r>
+              <a:rPr lang="en-US" sz="2800" dirty="0" smtClean="0">
+                <a:solidFill>
+                  <a:srgbClr val="0070C0"/>
+                </a:solidFill>
+                <a:hlinkClick r:id="rId6" action="ppaction://hlinkfile"/>
+              </a:rPr>
+              <a:t>)</a:t>
             </a:r>
             <a:endParaRPr lang="en-US" sz="2800" dirty="0">
               <a:solidFill>
@@ -7283,7 +7438,7 @@
         </p:nvSpPr>
         <p:spPr>
           <a:xfrm>
-            <a:off x="461790" y="2133600"/>
+            <a:off x="974075" y="2590800"/>
             <a:ext cx="5024610" cy="923330"/>
           </a:xfrm>
           <a:prstGeom prst="rect">
@@ -7326,6 +7481,70 @@
           </a:p>
         </p:txBody>
       </p:sp>
+      <p:pic>
+        <p:nvPicPr>
+          <p:cNvPr id="1026" name="Picture 2"/>
+          <p:cNvPicPr>
+            <a:picLocks noChangeAspect="1" noChangeArrowheads="1"/>
+          </p:cNvPicPr>
+          <p:nvPr/>
+        </p:nvPicPr>
+        <p:blipFill>
+          <a:blip r:embed="rId4" cstate="print">
+            <a:extLst>
+              <a:ext uri="{28A0092B-C50C-407E-A947-70E740481C1C}">
+                <a14:useLocalDpi xmlns:a14="http://schemas.microsoft.com/office/drawing/2010/main" val="0"/>
+              </a:ext>
+            </a:extLst>
+          </a:blip>
+          <a:srcRect/>
+          <a:stretch>
+            <a:fillRect/>
+          </a:stretch>
+        </p:blipFill>
+        <p:spPr bwMode="auto">
+          <a:xfrm>
+            <a:off x="990600" y="1038412"/>
+            <a:ext cx="1851293" cy="1388470"/>
+          </a:xfrm>
+          <a:prstGeom prst="rect">
+            <a:avLst/>
+          </a:prstGeom>
+          <a:noFill/>
+          <a:ln>
+            <a:noFill/>
+          </a:ln>
+          <a:effectLst/>
+          <a:extLst>
+            <a:ext uri="{909E8E84-426E-40DD-AFC4-6F175D3DCCD1}">
+              <a14:hiddenFill xmlns:a14="http://schemas.microsoft.com/office/drawing/2010/main">
+                <a:solidFill>
+                  <a:schemeClr val="accent1"/>
+                </a:solidFill>
+              </a14:hiddenFill>
+            </a:ext>
+            <a:ext uri="{91240B29-F687-4F45-9708-019B960494DF}">
+              <a14:hiddenLine xmlns:a14="http://schemas.microsoft.com/office/drawing/2010/main" w="9525">
+                <a:solidFill>
+                  <a:schemeClr val="tx1"/>
+                </a:solidFill>
+                <a:miter lim="800000"/>
+                <a:headEnd/>
+                <a:tailEnd/>
+              </a14:hiddenLine>
+            </a:ext>
+            <a:ext uri="{AF507438-7753-43E0-B8FC-AC1667EBCBE1}">
+              <a14:hiddenEffects xmlns:a14="http://schemas.microsoft.com/office/drawing/2010/main">
+                <a:effectLst>
+                  <a:outerShdw dist="35921" dir="2700000" algn="ctr" rotWithShape="0">
+                    <a:schemeClr val="bg2"/>
+                  </a:outerShdw>
+                </a:effectLst>
+              </a14:hiddenEffects>
+            </a:ext>
+          </a:extLst>
+        </p:spPr>
+      </p:pic>
     </p:spTree>
     <p:extLst>
       <p:ext uri="{BB962C8B-B14F-4D97-AF65-F5344CB8AC3E}">

--- a/Laporan PKL/Presentasi/Presentasi 01.pptx
+++ b/Laporan PKL/Presentasi/Presentasi 01.pptx
@@ -4225,7 +4225,7 @@
         <p:spPr>
           <a:xfrm>
             <a:off x="640250" y="2590800"/>
-            <a:ext cx="8275150" cy="2862322"/>
+            <a:ext cx="5749779" cy="2246769"/>
           </a:xfrm>
           <a:prstGeom prst="rect">
             <a:avLst/>
@@ -4386,85 +4386,37 @@
               <a:rPr lang="en-US" sz="2000" dirty="0" err="1" smtClean="0">
                 <a:latin typeface="Sertig" pitchFamily="34" charset="0"/>
               </a:rPr>
-              <a:t>Penandatanganan</a:t>
+              <a:t>Rumus</a:t>
             </a:r>
             <a:r>
               <a:rPr lang="en-US" sz="2000" dirty="0" smtClean="0">
                 <a:latin typeface="Sertig" pitchFamily="34" charset="0"/>
               </a:rPr>
-              <a:t>/ </a:t>
+              <a:t> </a:t>
             </a:r>
             <a:r>
               <a:rPr lang="en-US" sz="2000" dirty="0" err="1" smtClean="0">
                 <a:latin typeface="Sertig" pitchFamily="34" charset="0"/>
               </a:rPr>
-              <a:t>konfirmasi</a:t>
+              <a:t>dan</a:t>
             </a:r>
             <a:r>
               <a:rPr lang="en-US" sz="2000" dirty="0" smtClean="0">
                 <a:latin typeface="Sertig" pitchFamily="34" charset="0"/>
               </a:rPr>
-              <a:t>  form </a:t>
+              <a:t> </a:t>
             </a:r>
             <a:r>
               <a:rPr lang="en-US" sz="2000" dirty="0" err="1" smtClean="0">
                 <a:latin typeface="Sertig" pitchFamily="34" charset="0"/>
               </a:rPr>
-              <a:t>cuti</a:t>
+              <a:t>Bobot</a:t>
             </a:r>
             <a:r>
               <a:rPr lang="en-US" sz="2000" dirty="0" smtClean="0">
                 <a:latin typeface="Sertig" pitchFamily="34" charset="0"/>
               </a:rPr>
-              <a:t>, </a:t>
-            </a:r>
-            <a:r>
-              <a:rPr lang="en-US" sz="2000" dirty="0" err="1" smtClean="0">
-                <a:latin typeface="Sertig" pitchFamily="34" charset="0"/>
-              </a:rPr>
-              <a:t>pelatihan</a:t>
-            </a:r>
-            <a:r>
-              <a:rPr lang="en-US" sz="2000" dirty="0" smtClean="0">
-                <a:latin typeface="Sertig" pitchFamily="34" charset="0"/>
-              </a:rPr>
-              <a:t>, </a:t>
-            </a:r>
-            <a:r>
-              <a:rPr lang="en-US" sz="2000" dirty="0" err="1" smtClean="0">
-                <a:latin typeface="Sertig" pitchFamily="34" charset="0"/>
-              </a:rPr>
-              <a:t>absensi</a:t>
-            </a:r>
-            <a:r>
-              <a:rPr lang="en-US" sz="2000" dirty="0" smtClean="0">
-                <a:latin typeface="Sertig" pitchFamily="34" charset="0"/>
-              </a:rPr>
-              <a:t>, </a:t>
-            </a:r>
-            <a:r>
-              <a:rPr lang="en-US" sz="2000" dirty="0" err="1" smtClean="0">
-                <a:latin typeface="Sertig" pitchFamily="34" charset="0"/>
-              </a:rPr>
-              <a:t>penggantian</a:t>
-            </a:r>
-            <a:r>
-              <a:rPr lang="en-US" sz="2000" dirty="0" smtClean="0">
-                <a:latin typeface="Sertig" pitchFamily="34" charset="0"/>
-              </a:rPr>
-              <a:t> </a:t>
-            </a:r>
-            <a:r>
-              <a:rPr lang="en-US" sz="2000" dirty="0" err="1" smtClean="0">
-                <a:latin typeface="Sertig" pitchFamily="34" charset="0"/>
-              </a:rPr>
-              <a:t>libur</a:t>
-            </a:r>
-            <a:r>
-              <a:rPr lang="en-US" sz="2000" dirty="0" smtClean="0">
-                <a:latin typeface="Sertig" pitchFamily="34" charset="0"/>
-              </a:rPr>
-              <a:t>, SPPD ?</a:t>
+              <a:t> parameter KPI ? </a:t>
             </a:r>
           </a:p>
           <a:p>
@@ -4472,10 +4424,16 @@
               <a:buAutoNum type="arabicPeriod"/>
             </a:pPr>
             <a:r>
+              <a:rPr lang="en-US" sz="2000" dirty="0" smtClean="0">
+                <a:latin typeface="Sertig" pitchFamily="34" charset="0"/>
+              </a:rPr>
+              <a:t>Form </a:t>
+            </a:r>
+            <a:r>
               <a:rPr lang="en-US" sz="2000" dirty="0" err="1" smtClean="0">
                 <a:latin typeface="Sertig" pitchFamily="34" charset="0"/>
               </a:rPr>
-              <a:t>Rewiew</a:t>
+              <a:t>penggantian</a:t>
             </a:r>
             <a:r>
               <a:rPr lang="en-US" sz="2000" dirty="0" smtClean="0">
@@ -4487,55 +4445,7 @@
               <a:rPr lang="en-US" sz="2000" dirty="0" err="1" smtClean="0">
                 <a:latin typeface="Sertig" pitchFamily="34" charset="0"/>
               </a:rPr>
-              <a:t>Flowmap</a:t>
-            </a:r>
-            <a:r>
-              <a:rPr lang="en-US" sz="2000" dirty="0" smtClean="0">
-                <a:latin typeface="Sertig" pitchFamily="34" charset="0"/>
-              </a:rPr>
-              <a:t> : </a:t>
-            </a:r>
-            <a:r>
-              <a:rPr lang="en-US" sz="2000" dirty="0" err="1" smtClean="0">
-                <a:latin typeface="Sertig" pitchFamily="34" charset="0"/>
-              </a:rPr>
-              <a:t>cuti</a:t>
-            </a:r>
-            <a:r>
-              <a:rPr lang="en-US" sz="2000" dirty="0" smtClean="0">
-                <a:latin typeface="Sertig" pitchFamily="34" charset="0"/>
-              </a:rPr>
-              <a:t>, </a:t>
-            </a:r>
-            <a:r>
-              <a:rPr lang="en-US" sz="2000" dirty="0" err="1" smtClean="0">
-                <a:latin typeface="Sertig" pitchFamily="34" charset="0"/>
-              </a:rPr>
-              <a:t>presensi</a:t>
-            </a:r>
-            <a:r>
-              <a:rPr lang="en-US" sz="2000" dirty="0" smtClean="0">
-                <a:latin typeface="Sertig" pitchFamily="34" charset="0"/>
-              </a:rPr>
-              <a:t>, </a:t>
-            </a:r>
-            <a:r>
-              <a:rPr lang="en-US" sz="2000" dirty="0" err="1" smtClean="0">
-                <a:latin typeface="Sertig" pitchFamily="34" charset="0"/>
-              </a:rPr>
-              <a:t>pelatihan</a:t>
-            </a:r>
-            <a:r>
-              <a:rPr lang="en-US" sz="2000" dirty="0" smtClean="0">
-                <a:latin typeface="Sertig" pitchFamily="34" charset="0"/>
-              </a:rPr>
-              <a:t>, </a:t>
-            </a:r>
-            <a:r>
-              <a:rPr lang="en-US" sz="2000" dirty="0" err="1" smtClean="0">
-                <a:latin typeface="Sertig" pitchFamily="34" charset="0"/>
-              </a:rPr>
-              <a:t>muhasabah</a:t>
+              <a:t>libur</a:t>
             </a:r>
             <a:r>
               <a:rPr lang="en-US" sz="2000" dirty="0" smtClean="0">
@@ -4552,7 +4462,7 @@
               <a:rPr lang="en-US" sz="2000" dirty="0" err="1" smtClean="0">
                 <a:latin typeface="Sertig" pitchFamily="34" charset="0"/>
               </a:rPr>
-              <a:t>Rumus</a:t>
+              <a:t>Pengajuan</a:t>
             </a:r>
             <a:r>
               <a:rPr lang="en-US" sz="2000" dirty="0" smtClean="0">
@@ -4564,7 +4474,7 @@
               <a:rPr lang="en-US" sz="2000" dirty="0" err="1" smtClean="0">
                 <a:latin typeface="Sertig" pitchFamily="34" charset="0"/>
               </a:rPr>
-              <a:t>dan</a:t>
+              <a:t>Surat</a:t>
             </a:r>
             <a:r>
               <a:rPr lang="en-US" sz="2000" dirty="0" smtClean="0">
@@ -4576,96 +4486,26 @@
               <a:rPr lang="en-US" sz="2000" dirty="0" err="1" smtClean="0">
                 <a:latin typeface="Sertig" pitchFamily="34" charset="0"/>
               </a:rPr>
-              <a:t>Bobot</a:t>
+              <a:t>Tugas</a:t>
             </a:r>
             <a:r>
               <a:rPr lang="en-US" sz="2000" dirty="0" smtClean="0">
                 <a:latin typeface="Sertig" pitchFamily="34" charset="0"/>
               </a:rPr>
-              <a:t> parameter KPI ? </a:t>
-            </a:r>
-          </a:p>
-          <a:p>
-            <a:pPr marL="342900" indent="-342900">
-              <a:buAutoNum type="arabicPeriod"/>
-            </a:pPr>
+              <a:t> </a:t>
+            </a:r>
             <a:r>
               <a:rPr lang="en-US" sz="2000" dirty="0" smtClean="0">
                 <a:latin typeface="Sertig" pitchFamily="34" charset="0"/>
               </a:rPr>
-              <a:t>Form </a:t>
-            </a:r>
-            <a:r>
-              <a:rPr lang="en-US" sz="2000" dirty="0" err="1" smtClean="0">
-                <a:latin typeface="Sertig" pitchFamily="34" charset="0"/>
-              </a:rPr>
-              <a:t>penggantian</a:t>
+              <a:t>SPPD/ FORM  </a:t>
             </a:r>
             <a:r>
               <a:rPr lang="en-US" sz="2000" dirty="0" smtClean="0">
                 <a:latin typeface="Sertig" pitchFamily="34" charset="0"/>
               </a:rPr>
-              <a:t> </a:t>
-            </a:r>
-            <a:r>
-              <a:rPr lang="en-US" sz="2000" dirty="0" err="1" smtClean="0">
-                <a:latin typeface="Sertig" pitchFamily="34" charset="0"/>
-              </a:rPr>
-              <a:t>libur</a:t>
-            </a:r>
-            <a:r>
-              <a:rPr lang="en-US" sz="2000" dirty="0" smtClean="0">
-                <a:latin typeface="Sertig" pitchFamily="34" charset="0"/>
-              </a:rPr>
-              <a:t> ? </a:t>
-            </a:r>
-            <a:endParaRPr lang="en-US" sz="2000" dirty="0" smtClean="0">
-              <a:latin typeface="Sertig" pitchFamily="34" charset="0"/>
-            </a:endParaRPr>
-          </a:p>
-          <a:p>
-            <a:pPr marL="342900" indent="-342900">
-              <a:buAutoNum type="arabicPeriod"/>
-            </a:pPr>
-            <a:r>
-              <a:rPr lang="en-US" sz="2000" dirty="0" err="1" smtClean="0">
-                <a:latin typeface="Sertig" pitchFamily="34" charset="0"/>
-              </a:rPr>
-              <a:t>Pengajuan</a:t>
-            </a:r>
-            <a:r>
-              <a:rPr lang="en-US" sz="2000" dirty="0" smtClean="0">
-                <a:latin typeface="Sertig" pitchFamily="34" charset="0"/>
-              </a:rPr>
-              <a:t> </a:t>
-            </a:r>
-            <a:r>
-              <a:rPr lang="en-US" sz="2000" dirty="0" err="1" smtClean="0">
-                <a:latin typeface="Sertig" pitchFamily="34" charset="0"/>
-              </a:rPr>
-              <a:t>Surat</a:t>
-            </a:r>
-            <a:r>
-              <a:rPr lang="en-US" sz="2000" dirty="0" smtClean="0">
-                <a:latin typeface="Sertig" pitchFamily="34" charset="0"/>
-              </a:rPr>
-              <a:t> </a:t>
-            </a:r>
-            <a:r>
-              <a:rPr lang="en-US" sz="2000" dirty="0" err="1" smtClean="0">
-                <a:latin typeface="Sertig" pitchFamily="34" charset="0"/>
-              </a:rPr>
-              <a:t>Tugas</a:t>
-            </a:r>
-            <a:r>
-              <a:rPr lang="en-US" sz="2000" dirty="0" smtClean="0">
-                <a:latin typeface="Sertig" pitchFamily="34" charset="0"/>
-              </a:rPr>
-              <a:t> SPPD ?</a:t>
-            </a:r>
-            <a:endParaRPr lang="en-US" sz="2000" dirty="0" smtClean="0">
-              <a:latin typeface="Sertig" pitchFamily="34" charset="0"/>
-            </a:endParaRPr>
+              <a:t>?</a:t>
+            </a:r>
           </a:p>
           <a:p>
             <a:endParaRPr lang="en-US" sz="2000" dirty="0">
@@ -7234,16 +7074,7 @@
                 </a:solidFill>
                 <a:hlinkClick r:id="rId5" action="ppaction://hlinkfile"/>
               </a:rPr>
-              <a:t>Model Proses (Unified Model Language</a:t>
-            </a:r>
-            <a:r>
-              <a:rPr lang="en-US" sz="2800" dirty="0" smtClean="0">
-                <a:solidFill>
-                  <a:srgbClr val="0070C0"/>
-                </a:solidFill>
-                <a:hlinkClick r:id="rId5" action="ppaction://hlinkfile"/>
-              </a:rPr>
-              <a:t>) </a:t>
+              <a:t>Model Proses (Unified Model Language) </a:t>
             </a:r>
             <a:endParaRPr lang="en-US" sz="2800" dirty="0" smtClean="0">
               <a:solidFill>
